--- a/presentation/PRESENTATION.pptx
+++ b/presentation/PRESENTATION.pptx
@@ -135,6 +135,7 @@
     <p1510:client id="{26A54A02-5C23-A5B0-1C16-8606B9A2112C}" v="105" dt="2024-01-08T17:30:23.031"/>
     <p1510:client id="{35C256E3-9322-A49F-AF15-EEB273160954}" v="862" dt="2024-01-08T17:58:12.167"/>
     <p1510:client id="{3D419052-91EC-F85D-2127-8C94B453D889}" v="134" dt="2024-01-08T23:11:36.281"/>
+    <p1510:client id="{643A6BFE-D4A3-4C63-B361-95C130558113}" v="25" dt="2024-01-09T17:55:46.779"/>
     <p1510:client id="{651E238C-FD9D-A660-FE8F-891AB4BD7D1C}" v="27" dt="2024-01-08T19:50:44.795"/>
     <p1510:client id="{68F23EC2-A0B3-94BF-2E35-A60987F0277C}" v="545" dt="2024-01-08T00:33:27.844"/>
     <p1510:client id="{72F90019-A54E-B4B3-0AA7-5E55737DC74F}" v="107" dt="2024-01-01T19:23:37.158"/>
@@ -4303,6 +4304,16 @@
                 <a:cs typeface="Calibri"/>
               </a:rPr>
               <a:t> Record Format"</a:t>
+            </a:r>
+            <a:r>
+              <a:rPr lang="en-US" sz="2800" dirty="0">
+                <a:solidFill>
+                  <a:srgbClr val="000000"/>
+                </a:solidFill>
+                <a:ea typeface="Calibri"/>
+                <a:cs typeface="Calibri"/>
+              </a:rPr>
+              <a:t>,</a:t>
             </a:r>
           </a:p>
           <a:p>
@@ -5820,8 +5831,8 @@
         </p:nvSpPr>
         <p:spPr>
           <a:xfrm>
-            <a:off x="7988716" y="719480"/>
-            <a:ext cx="4092912" cy="5870191"/>
+            <a:off x="8194661" y="719480"/>
+            <a:ext cx="3886967" cy="5870191"/>
           </a:xfrm>
           <a:prstGeom prst="rect">
             <a:avLst/>
@@ -6231,7 +6242,7 @@
         </p:nvSpPr>
         <p:spPr>
           <a:xfrm>
-            <a:off x="8045170" y="834417"/>
+            <a:off x="8158440" y="834417"/>
             <a:ext cx="4174191" cy="5755422"/>
           </a:xfrm>
           <a:prstGeom prst="rect">
@@ -7616,7 +7627,7 @@
         </p:blipFill>
         <p:spPr>
           <a:xfrm>
-            <a:off x="5359109" y="1042673"/>
+            <a:off x="3263609" y="1154732"/>
             <a:ext cx="5680909" cy="5312766"/>
           </a:xfrm>
           <a:prstGeom prst="rect">
@@ -7898,7 +7909,7 @@
         <p:spPr>
           <a:xfrm>
             <a:off x="2679224" y="1174591"/>
-            <a:ext cx="5494696" cy="5169054"/>
+            <a:ext cx="5494696" cy="5415583"/>
           </a:xfrm>
           <a:prstGeom prst="rect">
             <a:avLst/>
@@ -7954,8 +7965,8 @@
         </p:nvSpPr>
         <p:spPr>
           <a:xfrm flipH="1">
-            <a:off x="2679084" y="1142725"/>
-            <a:ext cx="5474918" cy="5170646"/>
+            <a:off x="2735114" y="1221166"/>
+            <a:ext cx="5486123" cy="5170646"/>
           </a:xfrm>
           <a:prstGeom prst="rect">
             <a:avLst/>
@@ -8536,13 +8547,13 @@
           <a:lstStyle/>
           <a:p>
             <a:r>
-              <a:rPr lang="en-US" sz="2000">
+              <a:rPr lang="en-US" sz="2000" dirty="0">
                 <a:ea typeface="+mn-lt"/>
                 <a:cs typeface="+mn-lt"/>
               </a:rPr>
               <a:t>Updated Consultation Record</a:t>
             </a:r>
-            <a:endParaRPr lang="pt-PT" sz="2000">
+            <a:endParaRPr lang="pt-PT" sz="2000" dirty="0">
               <a:ea typeface="+mn-lt"/>
               <a:cs typeface="+mn-lt"/>
             </a:endParaRPr>
@@ -8555,160 +8566,147 @@
           </a:p>
           <a:p>
             <a:r>
-              <a:rPr lang="en-US" sz="1400">
+              <a:rPr lang="en-US" sz="1400" dirty="0">
                 <a:ea typeface="+mn-lt"/>
                 <a:cs typeface="+mn-lt"/>
               </a:rPr>
               <a:t>{</a:t>
             </a:r>
-            <a:endParaRPr lang="pt-PT" sz="1400">
+            <a:endParaRPr lang="pt-PT" sz="1400" dirty="0">
               <a:ea typeface="Calibri"/>
               <a:cs typeface="Calibri"/>
             </a:endParaRPr>
           </a:p>
           <a:p>
             <a:r>
-              <a:rPr lang="en-US" sz="1400">
+              <a:rPr lang="en-US" sz="1400" dirty="0">
                 <a:ea typeface="+mn-lt"/>
                 <a:cs typeface="+mn-lt"/>
               </a:rPr>
               <a:t>  "date": "2022-05-15",</a:t>
             </a:r>
-            <a:endParaRPr lang="en-US" sz="1400">
+            <a:endParaRPr lang="en-US" sz="1400" dirty="0">
               <a:ea typeface="Calibri"/>
               <a:cs typeface="Calibri"/>
             </a:endParaRPr>
           </a:p>
           <a:p>
             <a:r>
-              <a:rPr lang="en-US" sz="1400">
+              <a:rPr lang="en-US" sz="1400" dirty="0">
                 <a:ea typeface="+mn-lt"/>
                 <a:cs typeface="+mn-lt"/>
               </a:rPr>
               <a:t>  "</a:t>
             </a:r>
             <a:r>
-              <a:rPr lang="en-US" sz="1400" err="1">
+              <a:rPr lang="en-US" sz="1400" dirty="0" err="1">
                 <a:ea typeface="+mn-lt"/>
                 <a:cs typeface="+mn-lt"/>
               </a:rPr>
               <a:t>medicalSpeciality</a:t>
             </a:r>
             <a:r>
-              <a:rPr lang="en-US" sz="1400">
+              <a:rPr lang="en-US" sz="1400" dirty="0">
                 <a:ea typeface="+mn-lt"/>
                 <a:cs typeface="+mn-lt"/>
               </a:rPr>
               <a:t>": "Orthopedic",</a:t>
             </a:r>
-            <a:endParaRPr lang="en-US" sz="1400">
+            <a:endParaRPr lang="en-US" sz="1400" dirty="0">
               <a:ea typeface="Calibri"/>
               <a:cs typeface="Calibri"/>
             </a:endParaRPr>
           </a:p>
           <a:p>
             <a:r>
-              <a:rPr lang="en-US" sz="1400">
+              <a:rPr lang="en-US" sz="1400" dirty="0">
                 <a:ea typeface="+mn-lt"/>
                 <a:cs typeface="+mn-lt"/>
               </a:rPr>
               <a:t>  "</a:t>
             </a:r>
             <a:r>
-              <a:rPr lang="en-US" sz="1400" err="1">
+              <a:rPr lang="en-US" sz="1400" dirty="0" err="1">
                 <a:ea typeface="+mn-lt"/>
                 <a:cs typeface="+mn-lt"/>
               </a:rPr>
               <a:t>doctorName</a:t>
             </a:r>
             <a:r>
-              <a:rPr lang="en-US" sz="1400">
+              <a:rPr lang="en-US" sz="1400" dirty="0">
                 <a:ea typeface="+mn-lt"/>
                 <a:cs typeface="+mn-lt"/>
               </a:rPr>
               <a:t>": "Dr. Smith",</a:t>
             </a:r>
-            <a:endParaRPr lang="en-US" sz="1400">
+            <a:endParaRPr lang="en-US" sz="1400" dirty="0">
               <a:ea typeface="Calibri"/>
               <a:cs typeface="Calibri"/>
             </a:endParaRPr>
           </a:p>
           <a:p>
             <a:r>
-              <a:rPr lang="en-US" sz="1400">
+              <a:rPr lang="en-US" sz="1400" dirty="0">
                 <a:ea typeface="+mn-lt"/>
                 <a:cs typeface="+mn-lt"/>
               </a:rPr>
               <a:t>  "practice": "</a:t>
             </a:r>
             <a:r>
-              <a:rPr lang="en-US" sz="1400" err="1">
+              <a:rPr lang="en-US" sz="1400" dirty="0" err="1">
                 <a:ea typeface="+mn-lt"/>
                 <a:cs typeface="+mn-lt"/>
               </a:rPr>
               <a:t>OrthoCare</a:t>
             </a:r>
             <a:r>
-              <a:rPr lang="en-US" sz="1400">
+              <a:rPr lang="en-US" sz="1400" dirty="0">
                 <a:ea typeface="+mn-lt"/>
                 <a:cs typeface="+mn-lt"/>
               </a:rPr>
               <a:t> Clinic",</a:t>
             </a:r>
-            <a:endParaRPr lang="en-US" sz="1400">
+            <a:endParaRPr lang="en-US" sz="1400" dirty="0">
               <a:ea typeface="Calibri"/>
               <a:cs typeface="Calibri"/>
             </a:endParaRPr>
           </a:p>
           <a:p>
             <a:r>
-              <a:rPr lang="en-US" sz="1400">
+              <a:rPr lang="en-US" sz="1400" dirty="0">
                 <a:ea typeface="+mn-lt"/>
                 <a:cs typeface="+mn-lt"/>
               </a:rPr>
               <a:t>  "</a:t>
             </a:r>
             <a:r>
-              <a:rPr lang="en-US" sz="1400" err="1">
+              <a:rPr lang="en-US" sz="1400" dirty="0" err="1">
                 <a:ea typeface="+mn-lt"/>
                 <a:cs typeface="+mn-lt"/>
               </a:rPr>
               <a:t>treatmentSummary</a:t>
             </a:r>
             <a:r>
-              <a:rPr lang="en-US" sz="1400">
-                <a:ea typeface="+mn-lt"/>
-                <a:cs typeface="+mn-lt"/>
-              </a:rPr>
-              <a:t>": "Fractured left tibia; cast applied.",</a:t>
-            </a:r>
-            <a:endParaRPr lang="en-US" sz="1400">
+              <a:rPr lang="en-US" sz="1400" dirty="0">
+                <a:ea typeface="+mn-lt"/>
+                <a:cs typeface="+mn-lt"/>
+              </a:rPr>
+              <a:t>": "Fractured left tibia; cast applied.",  "digitalSignature":"LvHqgLN24fWLDjZ0sPSPT09V10U//LKmuHPr7aZPzqy6Qxvj25HfqWnx0Dbg0ci5K7g6ZJpcAG7udHCeexmE/a8UustPnVnoNAgRlVFjWzmRVf8on5MOkFq7s8KioDm1NHQVPUFf1BaPSfZKlBtAnod6f8UhwdrOEwAAQo3UTKtGaG3Cql6S1JRwbqiR/rrx+YrLZJ+rj+F70nmO3feSqfdczYpYYDUHM72+8eBEUQgAfe2YSzeEIN9ZmTNCl9PB4C9caiRBUnljJ6z7zuiduSFzO4D3mbcfvHQt80TxzKKNA23a+4YnVm7Z1AgshTbr7EhWGEohGyuc05kL2gSCUQ\u003d\u003d"</a:t>
+            </a:r>
+            <a:endParaRPr lang="en-US" sz="1400" dirty="0">
               <a:ea typeface="Calibri"/>
               <a:cs typeface="Calibri"/>
             </a:endParaRPr>
           </a:p>
           <a:p>
             <a:r>
-              <a:rPr lang="en-US" sz="1400">
-                <a:ea typeface="+mn-lt"/>
-                <a:cs typeface="+mn-lt"/>
-              </a:rPr>
-              <a:t>  "digitalSignature":"LvHqgLN24fWLDjZ0sPSPT09V10U//LKmuHPr7aZPzqy6Qxvj25HfqWnx0Dbg0ci5K7g6ZJpcAG7udHCeexmE/a8UustPnVnoNAgRlVFjWzmRVf8on5MOkFq7s8KioDm1NHQVPUFf1BaPSfZKlBtAnod6f8UhwdrOEwAAQo3UTKtGaG3Cql6S1JRwbqiR/rrx+YrLZJ+rj+F70nmO3feSqfdczYpYYDUHM72+8eBEUQgAfe2YSzeEIN9ZmTNCl9PB4C9caiRBUnljJ6z7zuiduSFzO4D3mbcfvHQt80TxzKKNA23a+4YnVm7Z1AgshTbr7EhWGEohGyuc05kL2gSCUQ\u003d\u003d"</a:t>
-            </a:r>
-            <a:endParaRPr lang="en-US" sz="1400">
-              <a:ea typeface="Calibri"/>
-              <a:cs typeface="Calibri"/>
-            </a:endParaRPr>
-          </a:p>
-          <a:p>
-            <a:r>
-              <a:rPr lang="en-US" sz="1400">
+              <a:rPr lang="en-US" sz="1400" dirty="0">
                 <a:ea typeface="+mn-lt"/>
                 <a:cs typeface="+mn-lt"/>
               </a:rPr>
               <a:t>}</a:t>
             </a:r>
-            <a:endParaRPr lang="en-US" sz="1400">
+            <a:endParaRPr lang="en-US" sz="1400" dirty="0">
               <a:ea typeface="Calibri"/>
               <a:cs typeface="Calibri"/>
             </a:endParaRPr>
